--- a/src/assets/documents/EOC Development Tool/4 - How do we activate our EOC/eoc_activation_process_20200515_final.pptx
+++ b/src/assets/documents/EOC Development Tool/4 - How do we activate our EOC/eoc_activation_process_20200515_final.pptx
@@ -4549,7 +4549,7 @@
               <a:pPr>
                 <a:defRPr/>
               </a:pPr>
-              <a:t>5/25/20</a:t>
+              <a:t>6/26/20</a:t>
             </a:fld>
             <a:endParaRPr lang="en-US" dirty="0"/>
           </a:p>
@@ -8407,105 +8407,6 @@
           </p:txBody>
         </p:sp>
       </p:grpSp>
-      <p:pic>
-        <p:nvPicPr>
-          <p:cNvPr id="15" name="Picture 14">
-            <a:extLst>
-              <a:ext uri="{FF2B5EF4-FFF2-40B4-BE49-F238E27FC236}">
-                <a16:creationId xmlns:a16="http://schemas.microsoft.com/office/drawing/2014/main" id="{6C5544EE-0D49-7240-86B7-25B9BB371E6D}"/>
-              </a:ext>
-              <a:ext uri="{C183D7F6-B498-43B3-948B-1728B52AA6E4}">
-                <adec:decorative xmlns:adec="http://schemas.microsoft.com/office/drawing/2017/decorative" val="1"/>
-              </a:ext>
-            </a:extLst>
-          </p:cNvPr>
-          <p:cNvPicPr>
-            <a:picLocks noChangeAspect="1"/>
-          </p:cNvPicPr>
-          <p:nvPr userDrawn="1"/>
-        </p:nvPicPr>
-        <p:blipFill>
-          <a:blip r:embed="rId3">
-            <a:extLst>
-              <a:ext uri="{28A0092B-C50C-407E-A947-70E740481C1C}">
-                <a14:useLocalDpi xmlns:a14="http://schemas.microsoft.com/office/drawing/2010/main" val="0"/>
-              </a:ext>
-            </a:extLst>
-          </a:blip>
-          <a:stretch>
-            <a:fillRect/>
-          </a:stretch>
-        </p:blipFill>
-        <p:spPr>
-          <a:xfrm>
-            <a:off x="502065" y="3841750"/>
-            <a:ext cx="869535" cy="628650"/>
-          </a:xfrm>
-          <a:prstGeom prst="rect">
-            <a:avLst/>
-          </a:prstGeom>
-        </p:spPr>
-      </p:pic>
-      <p:sp>
-        <p:nvSpPr>
-          <p:cNvPr id="16" name="Rounded Rectangle 15">
-            <a:extLst>
-              <a:ext uri="{FF2B5EF4-FFF2-40B4-BE49-F238E27FC236}">
-                <a16:creationId xmlns:a16="http://schemas.microsoft.com/office/drawing/2014/main" id="{DE7A0BDD-49DE-2B4F-A26B-A161BD6ADA7C}"/>
-              </a:ext>
-              <a:ext uri="{C183D7F6-B498-43B3-948B-1728B52AA6E4}">
-                <adec:decorative xmlns:adec="http://schemas.microsoft.com/office/drawing/2017/decorative" val="1"/>
-              </a:ext>
-            </a:extLst>
-          </p:cNvPr>
-          <p:cNvSpPr/>
-          <p:nvPr userDrawn="1"/>
-        </p:nvSpPr>
-        <p:spPr>
-          <a:xfrm>
-            <a:off x="1697445" y="3752495"/>
-            <a:ext cx="2202419" cy="779487"/>
-          </a:xfrm>
-          <a:prstGeom prst="roundRect">
-            <a:avLst>
-              <a:gd name="adj" fmla="val 20191"/>
-            </a:avLst>
-          </a:prstGeom>
-          <a:blipFill>
-            <a:blip r:embed="rId4"/>
-            <a:stretch>
-              <a:fillRect/>
-            </a:stretch>
-          </a:blipFill>
-          <a:ln>
-            <a:noFill/>
-          </a:ln>
-        </p:spPr>
-        <p:style>
-          <a:lnRef idx="2">
-            <a:schemeClr val="accent1">
-              <a:shade val="50000"/>
-            </a:schemeClr>
-          </a:lnRef>
-          <a:fillRef idx="1">
-            <a:schemeClr val="accent1"/>
-          </a:fillRef>
-          <a:effectRef idx="0">
-            <a:schemeClr val="accent1"/>
-          </a:effectRef>
-          <a:fontRef idx="minor">
-            <a:schemeClr val="lt1"/>
-          </a:fontRef>
-        </p:style>
-        <p:txBody>
-          <a:bodyPr rtlCol="0" anchor="ctr"/>
-          <a:lstStyle/>
-          <a:p>
-            <a:pPr algn="ctr"/>
-            <a:endParaRPr lang="en-US" dirty="0"/>
-          </a:p>
-        </p:txBody>
-      </p:sp>
       <p:sp>
         <p:nvSpPr>
           <p:cNvPr id="19" name="Rounded Rectangle 18">
@@ -8578,6 +8479,105 @@
           </a:p>
         </p:txBody>
       </p:sp>
+      <p:sp>
+        <p:nvSpPr>
+          <p:cNvPr id="17" name="Rounded Rectangle 16">
+            <a:extLst>
+              <a:ext uri="{FF2B5EF4-FFF2-40B4-BE49-F238E27FC236}">
+                <a16:creationId xmlns:a16="http://schemas.microsoft.com/office/drawing/2014/main" id="{D22C9C13-9E79-114A-9F00-8670E4FE01CE}"/>
+              </a:ext>
+              <a:ext uri="{C183D7F6-B498-43B3-948B-1728B52AA6E4}">
+                <adec:decorative xmlns:adec="http://schemas.microsoft.com/office/drawing/2017/decorative" val="1"/>
+              </a:ext>
+            </a:extLst>
+          </p:cNvPr>
+          <p:cNvSpPr/>
+          <p:nvPr userDrawn="1"/>
+        </p:nvSpPr>
+        <p:spPr>
+          <a:xfrm>
+            <a:off x="448071" y="3752495"/>
+            <a:ext cx="2202419" cy="779487"/>
+          </a:xfrm>
+          <a:prstGeom prst="roundRect">
+            <a:avLst>
+              <a:gd name="adj" fmla="val 20191"/>
+            </a:avLst>
+          </a:prstGeom>
+          <a:blipFill>
+            <a:blip r:embed="rId3"/>
+            <a:stretch>
+              <a:fillRect/>
+            </a:stretch>
+          </a:blipFill>
+          <a:ln>
+            <a:noFill/>
+          </a:ln>
+        </p:spPr>
+        <p:style>
+          <a:lnRef idx="2">
+            <a:schemeClr val="accent1">
+              <a:shade val="50000"/>
+            </a:schemeClr>
+          </a:lnRef>
+          <a:fillRef idx="1">
+            <a:schemeClr val="accent1"/>
+          </a:fillRef>
+          <a:effectRef idx="0">
+            <a:schemeClr val="accent1"/>
+          </a:effectRef>
+          <a:fontRef idx="minor">
+            <a:schemeClr val="lt1"/>
+          </a:fontRef>
+        </p:style>
+        <p:txBody>
+          <a:bodyPr rtlCol="0" anchor="ctr"/>
+          <a:lstStyle/>
+          <a:p>
+            <a:pPr algn="ctr"/>
+            <a:endParaRPr lang="en-US" dirty="0"/>
+          </a:p>
+        </p:txBody>
+      </p:sp>
+      <p:pic>
+        <p:nvPicPr>
+          <p:cNvPr id="20" name="Picture 19">
+            <a:extLst>
+              <a:ext uri="{FF2B5EF4-FFF2-40B4-BE49-F238E27FC236}">
+                <a16:creationId xmlns:a16="http://schemas.microsoft.com/office/drawing/2014/main" id="{4120A2AA-9E74-FC41-B24D-EF791AE61A96}"/>
+              </a:ext>
+              <a:ext uri="{C183D7F6-B498-43B3-948B-1728B52AA6E4}">
+                <adec:decorative xmlns:adec="http://schemas.microsoft.com/office/drawing/2017/decorative" val="1"/>
+              </a:ext>
+            </a:extLst>
+          </p:cNvPr>
+          <p:cNvPicPr>
+            <a:picLocks noChangeAspect="1"/>
+          </p:cNvPicPr>
+          <p:nvPr userDrawn="1"/>
+        </p:nvPicPr>
+        <p:blipFill>
+          <a:blip r:embed="rId4">
+            <a:extLst>
+              <a:ext uri="{28A0092B-C50C-407E-A947-70E740481C1C}">
+                <a14:useLocalDpi xmlns:a14="http://schemas.microsoft.com/office/drawing/2010/main" val="0"/>
+              </a:ext>
+            </a:extLst>
+          </a:blip>
+          <a:stretch>
+            <a:fillRect/>
+          </a:stretch>
+        </p:blipFill>
+        <p:spPr>
+          <a:xfrm>
+            <a:off x="3037030" y="3832697"/>
+            <a:ext cx="869535" cy="628650"/>
+          </a:xfrm>
+          <a:prstGeom prst="rect">
+            <a:avLst/>
+          </a:prstGeom>
+        </p:spPr>
+      </p:pic>
     </p:spTree>
     <p:extLst>
       <p:ext uri="{BB962C8B-B14F-4D97-AF65-F5344CB8AC3E}">
@@ -9238,92 +9238,12 @@
           </a:prstGeom>
         </p:spPr>
       </p:pic>
-      <p:pic>
-        <p:nvPicPr>
-          <p:cNvPr id="21" name="Picture 20" descr="A picture containing food&#10;&#10;Description automatically generated">
+      <p:sp>
+        <p:nvSpPr>
+          <p:cNvPr id="18" name="Rounded Rectangle 17">
             <a:extLst>
               <a:ext uri="{FF2B5EF4-FFF2-40B4-BE49-F238E27FC236}">
-                <a16:creationId xmlns:a16="http://schemas.microsoft.com/office/drawing/2014/main" id="{11B32B67-15F6-6A4D-8AB1-305603F6D6B3}"/>
-              </a:ext>
-            </a:extLst>
-          </p:cNvPr>
-          <p:cNvPicPr>
-            <a:picLocks noChangeAspect="1"/>
-          </p:cNvPicPr>
-          <p:nvPr userDrawn="1"/>
-        </p:nvPicPr>
-        <p:blipFill rotWithShape="1">
-          <a:blip r:embed="rId5">
-            <a:extLst>
-              <a:ext uri="{28A0092B-C50C-407E-A947-70E740481C1C}">
-                <a14:useLocalDpi xmlns:a14="http://schemas.microsoft.com/office/drawing/2010/main" val="0"/>
-              </a:ext>
-            </a:extLst>
-          </a:blip>
-          <a:srcRect r="3763" b="19294"/>
-          <a:stretch/>
-        </p:blipFill>
-        <p:spPr>
-          <a:xfrm>
-            <a:off x="6066692" y="4354414"/>
-            <a:ext cx="842588" cy="510860"/>
-          </a:xfrm>
-          <a:prstGeom prst="rect">
-            <a:avLst/>
-          </a:prstGeom>
-        </p:spPr>
-      </p:pic>
-      <p:pic>
-        <p:nvPicPr>
-          <p:cNvPr id="22" name="Picture 21">
-            <a:extLst>
-              <a:ext uri="{FF2B5EF4-FFF2-40B4-BE49-F238E27FC236}">
-                <a16:creationId xmlns:a16="http://schemas.microsoft.com/office/drawing/2014/main" id="{4E67AE58-792F-DD47-BD3F-8076096C1761}"/>
-              </a:ext>
-            </a:extLst>
-          </p:cNvPr>
-          <p:cNvPicPr>
-            <a:picLocks noChangeAspect="1"/>
-          </p:cNvPicPr>
-          <p:nvPr userDrawn="1"/>
-        </p:nvPicPr>
-        <p:blipFill>
-          <a:blip r:embed="rId6">
-            <a:extLst>
-              <a:ext uri="{BEBA8EAE-BF5A-486C-A8C5-ECC9F3942E4B}">
-                <a14:imgProps xmlns:a14="http://schemas.microsoft.com/office/drawing/2010/main">
-                  <a14:imgLayer r:embed="rId7">
-                    <a14:imgEffect>
-                      <a14:brightnessContrast bright="100000"/>
-                    </a14:imgEffect>
-                  </a14:imgLayer>
-                </a14:imgProps>
-              </a:ext>
-              <a:ext uri="{28A0092B-C50C-407E-A947-70E740481C1C}">
-                <a14:useLocalDpi xmlns:a14="http://schemas.microsoft.com/office/drawing/2010/main" val="0"/>
-              </a:ext>
-            </a:extLst>
-          </a:blip>
-          <a:stretch>
-            <a:fillRect/>
-          </a:stretch>
-        </p:blipFill>
-        <p:spPr>
-          <a:xfrm>
-            <a:off x="6068631" y="4866336"/>
-            <a:ext cx="875574" cy="121925"/>
-          </a:xfrm>
-          <a:prstGeom prst="rect">
-            <a:avLst/>
-          </a:prstGeom>
-        </p:spPr>
-      </p:pic>
-      <p:sp>
-        <p:nvSpPr>
-          <p:cNvPr id="23" name="Rounded Rectangle 22">
-            <a:extLst>
-              <a:ext uri="{FF2B5EF4-FFF2-40B4-BE49-F238E27FC236}">
-                <a16:creationId xmlns:a16="http://schemas.microsoft.com/office/drawing/2014/main" id="{2D930EA6-3124-CA4E-ACF8-C78F79F1BE39}"/>
+                <a16:creationId xmlns:a16="http://schemas.microsoft.com/office/drawing/2014/main" id="{DC95D7AA-1D73-134E-8488-F16B9BBD9053}"/>
               </a:ext>
             </a:extLst>
           </p:cNvPr>
@@ -9332,7 +9252,7 @@
         </p:nvSpPr>
         <p:spPr>
           <a:xfrm>
-            <a:off x="7404921" y="4409128"/>
+            <a:off x="5949003" y="4404774"/>
             <a:ext cx="1591642" cy="563319"/>
           </a:xfrm>
           <a:prstGeom prst="roundRect">
@@ -9341,7 +9261,7 @@
             </a:avLst>
           </a:prstGeom>
           <a:blipFill>
-            <a:blip r:embed="rId8"/>
+            <a:blip r:embed="rId5"/>
             <a:stretch>
               <a:fillRect/>
             </a:stretch>
@@ -9375,6 +9295,86 @@
           </a:p>
         </p:txBody>
       </p:sp>
+      <p:pic>
+        <p:nvPicPr>
+          <p:cNvPr id="19" name="Picture 18" descr="A picture containing food&#10;&#10;Description automatically generated">
+            <a:extLst>
+              <a:ext uri="{FF2B5EF4-FFF2-40B4-BE49-F238E27FC236}">
+                <a16:creationId xmlns:a16="http://schemas.microsoft.com/office/drawing/2014/main" id="{A8027EC9-1747-7746-BC04-79219FFA77BD}"/>
+              </a:ext>
+            </a:extLst>
+          </p:cNvPr>
+          <p:cNvPicPr>
+            <a:picLocks noChangeAspect="1"/>
+          </p:cNvPicPr>
+          <p:nvPr userDrawn="1"/>
+        </p:nvPicPr>
+        <p:blipFill rotWithShape="1">
+          <a:blip r:embed="rId6">
+            <a:extLst>
+              <a:ext uri="{28A0092B-C50C-407E-A947-70E740481C1C}">
+                <a14:useLocalDpi xmlns:a14="http://schemas.microsoft.com/office/drawing/2010/main" val="0"/>
+              </a:ext>
+            </a:extLst>
+          </a:blip>
+          <a:srcRect r="3763" b="19294"/>
+          <a:stretch/>
+        </p:blipFill>
+        <p:spPr>
+          <a:xfrm>
+            <a:off x="7913604" y="4354414"/>
+            <a:ext cx="842588" cy="510860"/>
+          </a:xfrm>
+          <a:prstGeom prst="rect">
+            <a:avLst/>
+          </a:prstGeom>
+        </p:spPr>
+      </p:pic>
+      <p:pic>
+        <p:nvPicPr>
+          <p:cNvPr id="20" name="Picture 19">
+            <a:extLst>
+              <a:ext uri="{FF2B5EF4-FFF2-40B4-BE49-F238E27FC236}">
+                <a16:creationId xmlns:a16="http://schemas.microsoft.com/office/drawing/2014/main" id="{16A1E6BD-D2B9-8849-BAE2-7EB36AB86342}"/>
+              </a:ext>
+            </a:extLst>
+          </p:cNvPr>
+          <p:cNvPicPr>
+            <a:picLocks noChangeAspect="1"/>
+          </p:cNvPicPr>
+          <p:nvPr userDrawn="1"/>
+        </p:nvPicPr>
+        <p:blipFill>
+          <a:blip r:embed="rId7">
+            <a:extLst>
+              <a:ext uri="{BEBA8EAE-BF5A-486C-A8C5-ECC9F3942E4B}">
+                <a14:imgProps xmlns:a14="http://schemas.microsoft.com/office/drawing/2010/main">
+                  <a14:imgLayer r:embed="rId8">
+                    <a14:imgEffect>
+                      <a14:brightnessContrast bright="100000"/>
+                    </a14:imgEffect>
+                  </a14:imgLayer>
+                </a14:imgProps>
+              </a:ext>
+              <a:ext uri="{28A0092B-C50C-407E-A947-70E740481C1C}">
+                <a14:useLocalDpi xmlns:a14="http://schemas.microsoft.com/office/drawing/2010/main" val="0"/>
+              </a:ext>
+            </a:extLst>
+          </a:blip>
+          <a:stretch>
+            <a:fillRect/>
+          </a:stretch>
+        </p:blipFill>
+        <p:spPr>
+          <a:xfrm>
+            <a:off x="7915543" y="4866336"/>
+            <a:ext cx="875574" cy="121925"/>
+          </a:xfrm>
+          <a:prstGeom prst="rect">
+            <a:avLst/>
+          </a:prstGeom>
+        </p:spPr>
+      </p:pic>
     </p:spTree>
     <p:extLst>
       <p:ext uri="{BB962C8B-B14F-4D97-AF65-F5344CB8AC3E}">
@@ -10351,10 +10351,10 @@
       </p:grpSp>
       <p:sp>
         <p:nvSpPr>
-          <p:cNvPr id="14" name="Rounded Rectangle 13">
+          <p:cNvPr id="16" name="Rounded Rectangle 15">
             <a:extLst>
               <a:ext uri="{FF2B5EF4-FFF2-40B4-BE49-F238E27FC236}">
-                <a16:creationId xmlns:a16="http://schemas.microsoft.com/office/drawing/2014/main" id="{637C36F2-FEAF-4040-8B07-2983098B75A6}"/>
+                <a16:creationId xmlns:a16="http://schemas.microsoft.com/office/drawing/2014/main" id="{6D91DAEC-286E-684E-8AA9-B760DBC9602B}"/>
               </a:ext>
             </a:extLst>
           </p:cNvPr>
@@ -10363,7 +10363,7 @@
         </p:nvSpPr>
         <p:spPr>
           <a:xfrm>
-            <a:off x="914400" y="4424667"/>
+            <a:off x="150416" y="4424667"/>
             <a:ext cx="1404530" cy="497096"/>
           </a:xfrm>
           <a:prstGeom prst="roundRect">
@@ -10408,10 +10408,10 @@
       </p:sp>
       <p:pic>
         <p:nvPicPr>
-          <p:cNvPr id="15" name="Picture 14" descr="A picture containing food&#10;&#10;Description automatically generated">
+          <p:cNvPr id="17" name="Picture 16" descr="A picture containing food&#10;&#10;Description automatically generated">
             <a:extLst>
               <a:ext uri="{FF2B5EF4-FFF2-40B4-BE49-F238E27FC236}">
-                <a16:creationId xmlns:a16="http://schemas.microsoft.com/office/drawing/2014/main" id="{0C44137B-B550-6240-97C0-DCDEE447A9CD}"/>
+                <a16:creationId xmlns:a16="http://schemas.microsoft.com/office/drawing/2014/main" id="{7B238DA2-135F-BC48-9F9F-4661E12CBFCC}"/>
               </a:ext>
             </a:extLst>
           </p:cNvPr>
@@ -10434,7 +10434,7 @@
         </p:blipFill>
         <p:spPr>
           <a:xfrm>
-            <a:off x="251010" y="4493208"/>
+            <a:off x="1753887" y="4493208"/>
             <a:ext cx="510990" cy="369432"/>
           </a:xfrm>
           <a:prstGeom prst="rect">
@@ -11658,10 +11658,10 @@
       </p:grpSp>
       <p:sp>
         <p:nvSpPr>
-          <p:cNvPr id="27" name="Rounded Rectangle 26">
+          <p:cNvPr id="21" name="Rounded Rectangle 20">
             <a:extLst>
               <a:ext uri="{FF2B5EF4-FFF2-40B4-BE49-F238E27FC236}">
-                <a16:creationId xmlns:a16="http://schemas.microsoft.com/office/drawing/2014/main" id="{CD2FA5DA-CB34-DC48-BD1F-5D960C038685}"/>
+                <a16:creationId xmlns:a16="http://schemas.microsoft.com/office/drawing/2014/main" id="{934BEB2D-AACA-574E-9355-223606B9C5F6}"/>
               </a:ext>
             </a:extLst>
           </p:cNvPr>
@@ -11670,7 +11670,7 @@
         </p:nvSpPr>
         <p:spPr>
           <a:xfrm>
-            <a:off x="914400" y="4424667"/>
+            <a:off x="150416" y="4424667"/>
             <a:ext cx="1404530" cy="497096"/>
           </a:xfrm>
           <a:prstGeom prst="roundRect">
@@ -11715,10 +11715,10 @@
       </p:sp>
       <p:pic>
         <p:nvPicPr>
-          <p:cNvPr id="28" name="Picture 27" descr="A picture containing food&#10;&#10;Description automatically generated">
+          <p:cNvPr id="22" name="Picture 21" descr="A picture containing food&#10;&#10;Description automatically generated">
             <a:extLst>
               <a:ext uri="{FF2B5EF4-FFF2-40B4-BE49-F238E27FC236}">
-                <a16:creationId xmlns:a16="http://schemas.microsoft.com/office/drawing/2014/main" id="{AD7C8939-F53B-104C-BD04-73118FF33F91}"/>
+                <a16:creationId xmlns:a16="http://schemas.microsoft.com/office/drawing/2014/main" id="{6DF82A0B-990A-5C4C-AF07-C8E077077435}"/>
               </a:ext>
             </a:extLst>
           </p:cNvPr>
@@ -11741,7 +11741,7 @@
         </p:blipFill>
         <p:spPr>
           <a:xfrm>
-            <a:off x="251010" y="4493208"/>
+            <a:off x="1753887" y="4493208"/>
             <a:ext cx="510990" cy="369432"/>
           </a:xfrm>
           <a:prstGeom prst="rect">
@@ -12644,10 +12644,10 @@
       </p:sp>
       <p:sp>
         <p:nvSpPr>
-          <p:cNvPr id="6" name="Rounded Rectangle 5">
+          <p:cNvPr id="9" name="Rounded Rectangle 8">
             <a:extLst>
               <a:ext uri="{FF2B5EF4-FFF2-40B4-BE49-F238E27FC236}">
-                <a16:creationId xmlns:a16="http://schemas.microsoft.com/office/drawing/2014/main" id="{CFABE445-A10A-D246-BB92-B7D723B64915}"/>
+                <a16:creationId xmlns:a16="http://schemas.microsoft.com/office/drawing/2014/main" id="{38A5507C-6A88-0C40-89BA-5905072815E9}"/>
               </a:ext>
             </a:extLst>
           </p:cNvPr>
@@ -12656,7 +12656,7 @@
         </p:nvSpPr>
         <p:spPr>
           <a:xfrm>
-            <a:off x="1886913" y="4019550"/>
+            <a:off x="417949" y="4030406"/>
             <a:ext cx="2036355" cy="720713"/>
           </a:xfrm>
           <a:prstGeom prst="roundRect">
@@ -12701,10 +12701,10 @@
       </p:sp>
       <p:pic>
         <p:nvPicPr>
-          <p:cNvPr id="7" name="Picture 6" descr="A picture containing food&#10;&#10;Description automatically generated">
+          <p:cNvPr id="10" name="Picture 9" descr="A picture containing food&#10;&#10;Description automatically generated">
             <a:extLst>
               <a:ext uri="{FF2B5EF4-FFF2-40B4-BE49-F238E27FC236}">
-                <a16:creationId xmlns:a16="http://schemas.microsoft.com/office/drawing/2014/main" id="{C0CC9E11-354D-764B-8589-0458EBFD8DEE}"/>
+                <a16:creationId xmlns:a16="http://schemas.microsoft.com/office/drawing/2014/main" id="{4C4E73DD-B218-4D4F-AC00-B8ED089C8B27}"/>
               </a:ext>
             </a:extLst>
           </p:cNvPr>
@@ -12726,7 +12726,7 @@
         </p:blipFill>
         <p:spPr>
           <a:xfrm>
-            <a:off x="440924" y="4030406"/>
+            <a:off x="2912518" y="4030406"/>
             <a:ext cx="996875" cy="602071"/>
           </a:xfrm>
           <a:prstGeom prst="rect">
@@ -12736,10 +12736,10 @@
       </p:pic>
       <p:pic>
         <p:nvPicPr>
-          <p:cNvPr id="8" name="Picture 7">
+          <p:cNvPr id="11" name="Picture 10">
             <a:extLst>
               <a:ext uri="{FF2B5EF4-FFF2-40B4-BE49-F238E27FC236}">
-                <a16:creationId xmlns:a16="http://schemas.microsoft.com/office/drawing/2014/main" id="{3FF80F5A-030E-FC4D-B638-BAF59051EE10}"/>
+                <a16:creationId xmlns:a16="http://schemas.microsoft.com/office/drawing/2014/main" id="{03F9132A-7F82-A541-A42D-EF9E5849B392}"/>
               </a:ext>
             </a:extLst>
           </p:cNvPr>
@@ -12771,7 +12771,7 @@
         </p:blipFill>
         <p:spPr>
           <a:xfrm>
-            <a:off x="440924" y="4646083"/>
+            <a:off x="2912518" y="4646083"/>
             <a:ext cx="1032012" cy="143709"/>
           </a:xfrm>
           <a:prstGeom prst="rect">
@@ -13016,10 +13016,10 @@
       </p:sp>
       <p:sp>
         <p:nvSpPr>
-          <p:cNvPr id="7" name="Rounded Rectangle 6">
+          <p:cNvPr id="10" name="Rounded Rectangle 9">
             <a:extLst>
               <a:ext uri="{FF2B5EF4-FFF2-40B4-BE49-F238E27FC236}">
-                <a16:creationId xmlns:a16="http://schemas.microsoft.com/office/drawing/2014/main" id="{9FA783DA-D805-A347-81AA-59015475D15B}"/>
+                <a16:creationId xmlns:a16="http://schemas.microsoft.com/office/drawing/2014/main" id="{BC77B652-05F2-A941-A03C-C073713F218E}"/>
               </a:ext>
             </a:extLst>
           </p:cNvPr>
@@ -13028,7 +13028,7 @@
         </p:nvSpPr>
         <p:spPr>
           <a:xfrm>
-            <a:off x="1886913" y="4019550"/>
+            <a:off x="417949" y="4030406"/>
             <a:ext cx="2036355" cy="720713"/>
           </a:xfrm>
           <a:prstGeom prst="roundRect">
@@ -13073,10 +13073,10 @@
       </p:sp>
       <p:pic>
         <p:nvPicPr>
-          <p:cNvPr id="8" name="Picture 7" descr="A picture containing food&#10;&#10;Description automatically generated">
+          <p:cNvPr id="11" name="Picture 10" descr="A picture containing food&#10;&#10;Description automatically generated">
             <a:extLst>
               <a:ext uri="{FF2B5EF4-FFF2-40B4-BE49-F238E27FC236}">
-                <a16:creationId xmlns:a16="http://schemas.microsoft.com/office/drawing/2014/main" id="{B86B31C1-8A64-034A-8617-A876148D654C}"/>
+                <a16:creationId xmlns:a16="http://schemas.microsoft.com/office/drawing/2014/main" id="{68878973-9239-3640-93C4-EE2651BC5E16}"/>
               </a:ext>
             </a:extLst>
           </p:cNvPr>
@@ -13098,7 +13098,7 @@
         </p:blipFill>
         <p:spPr>
           <a:xfrm>
-            <a:off x="440924" y="4030406"/>
+            <a:off x="2912518" y="4030406"/>
             <a:ext cx="996875" cy="602071"/>
           </a:xfrm>
           <a:prstGeom prst="rect">
@@ -13108,10 +13108,10 @@
       </p:pic>
       <p:pic>
         <p:nvPicPr>
-          <p:cNvPr id="9" name="Picture 8">
+          <p:cNvPr id="12" name="Picture 11">
             <a:extLst>
               <a:ext uri="{FF2B5EF4-FFF2-40B4-BE49-F238E27FC236}">
-                <a16:creationId xmlns:a16="http://schemas.microsoft.com/office/drawing/2014/main" id="{67C6544A-CE9B-0041-8EF5-27D6153BE0F1}"/>
+                <a16:creationId xmlns:a16="http://schemas.microsoft.com/office/drawing/2014/main" id="{B627D539-0697-924C-9F41-0249B04409EC}"/>
               </a:ext>
             </a:extLst>
           </p:cNvPr>
@@ -13143,7 +13143,7 @@
         </p:blipFill>
         <p:spPr>
           <a:xfrm>
-            <a:off x="440924" y="4646083"/>
+            <a:off x="2912518" y="4646083"/>
             <a:ext cx="1032012" cy="143709"/>
           </a:xfrm>
           <a:prstGeom prst="rect">
@@ -13810,92 +13810,12 @@
           </a:prstGeom>
         </p:spPr>
       </p:pic>
-      <p:pic>
-        <p:nvPicPr>
-          <p:cNvPr id="20" name="Picture 19" descr="A picture containing food&#10;&#10;Description automatically generated">
+      <p:sp>
+        <p:nvSpPr>
+          <p:cNvPr id="19" name="Rounded Rectangle 18">
             <a:extLst>
               <a:ext uri="{FF2B5EF4-FFF2-40B4-BE49-F238E27FC236}">
-                <a16:creationId xmlns:a16="http://schemas.microsoft.com/office/drawing/2014/main" id="{2294A6AE-485A-604F-AA26-088B6D60DF39}"/>
-              </a:ext>
-            </a:extLst>
-          </p:cNvPr>
-          <p:cNvPicPr>
-            <a:picLocks noChangeAspect="1"/>
-          </p:cNvPicPr>
-          <p:nvPr userDrawn="1"/>
-        </p:nvPicPr>
-        <p:blipFill rotWithShape="1">
-          <a:blip r:embed="rId5">
-            <a:extLst>
-              <a:ext uri="{28A0092B-C50C-407E-A947-70E740481C1C}">
-                <a14:useLocalDpi xmlns:a14="http://schemas.microsoft.com/office/drawing/2010/main" val="0"/>
-              </a:ext>
-            </a:extLst>
-          </a:blip>
-          <a:srcRect r="3763" b="19294"/>
-          <a:stretch/>
-        </p:blipFill>
-        <p:spPr>
-          <a:xfrm>
-            <a:off x="6066692" y="4354414"/>
-            <a:ext cx="842588" cy="510860"/>
-          </a:xfrm>
-          <a:prstGeom prst="rect">
-            <a:avLst/>
-          </a:prstGeom>
-        </p:spPr>
-      </p:pic>
-      <p:pic>
-        <p:nvPicPr>
-          <p:cNvPr id="21" name="Picture 20">
-            <a:extLst>
-              <a:ext uri="{FF2B5EF4-FFF2-40B4-BE49-F238E27FC236}">
-                <a16:creationId xmlns:a16="http://schemas.microsoft.com/office/drawing/2014/main" id="{856B84D0-B6B6-B74B-B8CF-7BA1C341268F}"/>
-              </a:ext>
-            </a:extLst>
-          </p:cNvPr>
-          <p:cNvPicPr>
-            <a:picLocks noChangeAspect="1"/>
-          </p:cNvPicPr>
-          <p:nvPr userDrawn="1"/>
-        </p:nvPicPr>
-        <p:blipFill>
-          <a:blip r:embed="rId6">
-            <a:extLst>
-              <a:ext uri="{BEBA8EAE-BF5A-486C-A8C5-ECC9F3942E4B}">
-                <a14:imgProps xmlns:a14="http://schemas.microsoft.com/office/drawing/2010/main">
-                  <a14:imgLayer r:embed="rId7">
-                    <a14:imgEffect>
-                      <a14:brightnessContrast bright="100000"/>
-                    </a14:imgEffect>
-                  </a14:imgLayer>
-                </a14:imgProps>
-              </a:ext>
-              <a:ext uri="{28A0092B-C50C-407E-A947-70E740481C1C}">
-                <a14:useLocalDpi xmlns:a14="http://schemas.microsoft.com/office/drawing/2010/main" val="0"/>
-              </a:ext>
-            </a:extLst>
-          </a:blip>
-          <a:stretch>
-            <a:fillRect/>
-          </a:stretch>
-        </p:blipFill>
-        <p:spPr>
-          <a:xfrm>
-            <a:off x="6068631" y="4866336"/>
-            <a:ext cx="875574" cy="121925"/>
-          </a:xfrm>
-          <a:prstGeom prst="rect">
-            <a:avLst/>
-          </a:prstGeom>
-        </p:spPr>
-      </p:pic>
-      <p:sp>
-        <p:nvSpPr>
-          <p:cNvPr id="22" name="Rounded Rectangle 21">
-            <a:extLst>
-              <a:ext uri="{FF2B5EF4-FFF2-40B4-BE49-F238E27FC236}">
-                <a16:creationId xmlns:a16="http://schemas.microsoft.com/office/drawing/2014/main" id="{8C041B73-6B55-AE4D-BD5A-2C3C5CE2BFAC}"/>
+                <a16:creationId xmlns:a16="http://schemas.microsoft.com/office/drawing/2014/main" id="{37E12FE7-27DF-964B-A9FA-707A30ADDF36}"/>
               </a:ext>
             </a:extLst>
           </p:cNvPr>
@@ -13904,7 +13824,7 @@
         </p:nvSpPr>
         <p:spPr>
           <a:xfrm>
-            <a:off x="7404921" y="4409128"/>
+            <a:off x="5949003" y="4404774"/>
             <a:ext cx="1591642" cy="563319"/>
           </a:xfrm>
           <a:prstGeom prst="roundRect">
@@ -13913,7 +13833,7 @@
             </a:avLst>
           </a:prstGeom>
           <a:blipFill>
-            <a:blip r:embed="rId8"/>
+            <a:blip r:embed="rId5"/>
             <a:stretch>
               <a:fillRect/>
             </a:stretch>
@@ -13947,6 +13867,86 @@
           </a:p>
         </p:txBody>
       </p:sp>
+      <p:pic>
+        <p:nvPicPr>
+          <p:cNvPr id="23" name="Picture 22" descr="A picture containing food&#10;&#10;Description automatically generated">
+            <a:extLst>
+              <a:ext uri="{FF2B5EF4-FFF2-40B4-BE49-F238E27FC236}">
+                <a16:creationId xmlns:a16="http://schemas.microsoft.com/office/drawing/2014/main" id="{D6B1276E-B1DD-ED4C-822C-159FD81CB5D9}"/>
+              </a:ext>
+            </a:extLst>
+          </p:cNvPr>
+          <p:cNvPicPr>
+            <a:picLocks noChangeAspect="1"/>
+          </p:cNvPicPr>
+          <p:nvPr userDrawn="1"/>
+        </p:nvPicPr>
+        <p:blipFill rotWithShape="1">
+          <a:blip r:embed="rId6">
+            <a:extLst>
+              <a:ext uri="{28A0092B-C50C-407E-A947-70E740481C1C}">
+                <a14:useLocalDpi xmlns:a14="http://schemas.microsoft.com/office/drawing/2010/main" val="0"/>
+              </a:ext>
+            </a:extLst>
+          </a:blip>
+          <a:srcRect r="3763" b="19294"/>
+          <a:stretch/>
+        </p:blipFill>
+        <p:spPr>
+          <a:xfrm>
+            <a:off x="7913604" y="4354414"/>
+            <a:ext cx="842588" cy="510860"/>
+          </a:xfrm>
+          <a:prstGeom prst="rect">
+            <a:avLst/>
+          </a:prstGeom>
+        </p:spPr>
+      </p:pic>
+      <p:pic>
+        <p:nvPicPr>
+          <p:cNvPr id="24" name="Picture 23">
+            <a:extLst>
+              <a:ext uri="{FF2B5EF4-FFF2-40B4-BE49-F238E27FC236}">
+                <a16:creationId xmlns:a16="http://schemas.microsoft.com/office/drawing/2014/main" id="{BE40FA29-C27C-0945-829A-121BDF328311}"/>
+              </a:ext>
+            </a:extLst>
+          </p:cNvPr>
+          <p:cNvPicPr>
+            <a:picLocks noChangeAspect="1"/>
+          </p:cNvPicPr>
+          <p:nvPr userDrawn="1"/>
+        </p:nvPicPr>
+        <p:blipFill>
+          <a:blip r:embed="rId7">
+            <a:extLst>
+              <a:ext uri="{BEBA8EAE-BF5A-486C-A8C5-ECC9F3942E4B}">
+                <a14:imgProps xmlns:a14="http://schemas.microsoft.com/office/drawing/2010/main">
+                  <a14:imgLayer r:embed="rId8">
+                    <a14:imgEffect>
+                      <a14:brightnessContrast bright="100000"/>
+                    </a14:imgEffect>
+                  </a14:imgLayer>
+                </a14:imgProps>
+              </a:ext>
+              <a:ext uri="{28A0092B-C50C-407E-A947-70E740481C1C}">
+                <a14:useLocalDpi xmlns:a14="http://schemas.microsoft.com/office/drawing/2010/main" val="0"/>
+              </a:ext>
+            </a:extLst>
+          </a:blip>
+          <a:stretch>
+            <a:fillRect/>
+          </a:stretch>
+        </p:blipFill>
+        <p:spPr>
+          <a:xfrm>
+            <a:off x="7915543" y="4866336"/>
+            <a:ext cx="875574" cy="121925"/>
+          </a:xfrm>
+          <a:prstGeom prst="rect">
+            <a:avLst/>
+          </a:prstGeom>
+        </p:spPr>
+      </p:pic>
     </p:spTree>
     <p:extLst>
       <p:ext uri="{BB962C8B-B14F-4D97-AF65-F5344CB8AC3E}">
@@ -15172,25 +15172,6 @@
           </a:p>
         </p:txBody>
       </p:sp>
-      <p:sp>
-        <p:nvSpPr>
-          <p:cNvPr id="6" name="Text Placeholder 5"/>
-          <p:cNvSpPr>
-            <a:spLocks noGrp="1"/>
-          </p:cNvSpPr>
-          <p:nvPr>
-            <p:ph type="body" idx="1"/>
-          </p:nvPr>
-        </p:nvSpPr>
-        <p:spPr/>
-        <p:txBody>
-          <a:bodyPr/>
-          <a:lstStyle/>
-          <a:p>
-            <a:endParaRPr lang="en-US" dirty="0"/>
-          </a:p>
-        </p:txBody>
-      </p:sp>
       <p:pic>
         <p:nvPicPr>
           <p:cNvPr id="7" name="Graphic 6">
@@ -16216,7 +16197,7 @@
         </p:nvSpPr>
         <p:spPr>
           <a:xfrm>
-            <a:off x="457199" y="1012571"/>
+            <a:off x="457199" y="963143"/>
             <a:ext cx="4890655" cy="3341688"/>
           </a:xfrm>
         </p:spPr>
@@ -16378,7 +16359,7 @@
         </p:nvSpPr>
         <p:spPr>
           <a:xfrm>
-            <a:off x="387928" y="994283"/>
+            <a:off x="387928" y="944855"/>
             <a:ext cx="4978399" cy="3341688"/>
           </a:xfrm>
         </p:spPr>
@@ -16564,7 +16545,7 @@
             <a:pPr marL="0" indent="0">
               <a:buNone/>
             </a:pPr>
-            <a:endParaRPr lang="en-US" sz="2500" dirty="0"/>
+            <a:endParaRPr lang="en-US" sz="1600" dirty="0"/>
           </a:p>
           <a:p>
             <a:r>
@@ -16746,25 +16727,6 @@
               <a:rPr lang="en-US" dirty="0"/>
               <a:t>EOC Activation Levels</a:t>
             </a:r>
-          </a:p>
-        </p:txBody>
-      </p:sp>
-      <p:sp>
-        <p:nvSpPr>
-          <p:cNvPr id="6" name="Text Placeholder 5"/>
-          <p:cNvSpPr>
-            <a:spLocks noGrp="1"/>
-          </p:cNvSpPr>
-          <p:nvPr>
-            <p:ph type="body" idx="1"/>
-          </p:nvPr>
-        </p:nvSpPr>
-        <p:spPr/>
-        <p:txBody>
-          <a:bodyPr/>
-          <a:lstStyle/>
-          <a:p>
-            <a:endParaRPr lang="en-US" dirty="0"/>
           </a:p>
         </p:txBody>
       </p:sp>
@@ -17057,7 +17019,7 @@
               </a:buClr>
               <a:buNone/>
             </a:pPr>
-            <a:endParaRPr lang="en-US" sz="1200" dirty="0"/>
+            <a:endParaRPr lang="en-US" sz="600" dirty="0"/>
           </a:p>
           <a:p>
             <a:pPr>
@@ -18771,31 +18733,6 @@
           </a:prstGeom>
         </p:spPr>
       </p:pic>
-      <p:sp>
-        <p:nvSpPr>
-          <p:cNvPr id="2" name="Text Placeholder 1">
-            <a:extLst>
-              <a:ext uri="{FF2B5EF4-FFF2-40B4-BE49-F238E27FC236}">
-                <a16:creationId xmlns:a16="http://schemas.microsoft.com/office/drawing/2014/main" id="{4A33C64B-377D-B445-A2B7-9947A5462B56}"/>
-              </a:ext>
-            </a:extLst>
-          </p:cNvPr>
-          <p:cNvSpPr>
-            <a:spLocks noGrp="1"/>
-          </p:cNvSpPr>
-          <p:nvPr>
-            <p:ph type="body" idx="1"/>
-          </p:nvPr>
-        </p:nvSpPr>
-        <p:spPr/>
-        <p:txBody>
-          <a:bodyPr/>
-          <a:lstStyle/>
-          <a:p>
-            <a:endParaRPr lang="en-US" dirty="0"/>
-          </a:p>
-        </p:txBody>
-      </p:sp>
     </p:spTree>
     <p:extLst>
       <p:ext uri="{BB962C8B-B14F-4D97-AF65-F5344CB8AC3E}">
